--- a/Design Pattern Adapter.pptx
+++ b/Design Pattern Adapter.pptx
@@ -8,9 +8,9 @@
     <p:sldId id="256" r:id="rId2"/>
     <p:sldId id="257" r:id="rId3"/>
     <p:sldId id="259" r:id="rId4"/>
-    <p:sldId id="262" r:id="rId5"/>
-    <p:sldId id="263" r:id="rId6"/>
-    <p:sldId id="261" r:id="rId7"/>
+    <p:sldId id="261" r:id="rId5"/>
+    <p:sldId id="262" r:id="rId6"/>
+    <p:sldId id="263" r:id="rId7"/>
   </p:sldIdLst>
   <p:sldSz cx="12192000" cy="6858000"/>
   <p:notesSz cx="6858000" cy="9144000"/>
@@ -191,7 +191,7 @@
           </a:lstStyle>
           <a:p>
             <a:r>
-              <a:rPr lang="en-US" smtClean="0"/>
+              <a:rPr lang="en-US"/>
               <a:t>Click to edit Master title style</a:t>
             </a:r>
             <a:endParaRPr lang="en-US" dirty="0"/>
@@ -258,7 +258,7 @@
           </a:lstStyle>
           <a:p>
             <a:r>
-              <a:rPr lang="en-US" smtClean="0"/>
+              <a:rPr lang="en-US"/>
               <a:t>Click to edit Master subtitle style</a:t>
             </a:r>
             <a:endParaRPr lang="en-US" dirty="0"/>
@@ -287,7 +287,7 @@
           <a:p>
             <a:fld id="{48A87A34-81AB-432B-8DAE-1953F412C126}" type="datetimeFigureOut">
               <a:rPr lang="en-US" dirty="0"/>
-              <a:t>7/19/2018</a:t>
+              <a:t>8/3/2018</a:t>
             </a:fld>
             <a:endParaRPr lang="en-US" dirty="0"/>
           </a:p>
@@ -395,7 +395,7 @@
           </a:lstStyle>
           <a:p>
             <a:r>
-              <a:rPr lang="en-US" smtClean="0"/>
+              <a:rPr lang="en-US"/>
               <a:t>Click to edit Master title style</a:t>
             </a:r>
             <a:endParaRPr lang="en-US" dirty="0"/>
@@ -460,7 +460,7 @@
           </a:lstStyle>
           <a:p>
             <a:r>
-              <a:rPr lang="en-US" smtClean="0"/>
+              <a:rPr lang="en-US"/>
               <a:t>Click icon to add picture</a:t>
             </a:r>
             <a:endParaRPr lang="en-US" dirty="0"/>
@@ -526,7 +526,7 @@
           <a:p>
             <a:pPr lvl="0"/>
             <a:r>
-              <a:rPr lang="en-US" smtClean="0"/>
+              <a:rPr lang="en-US"/>
               <a:t>Edit Master text styles</a:t>
             </a:r>
           </a:p>
@@ -549,7 +549,7 @@
           <a:p>
             <a:fld id="{48A87A34-81AB-432B-8DAE-1953F412C126}" type="datetimeFigureOut">
               <a:rPr lang="en-US" dirty="0"/>
-              <a:t>7/19/2018</a:t>
+              <a:t>8/3/2018</a:t>
             </a:fld>
             <a:endParaRPr lang="en-US" dirty="0"/>
           </a:p>
@@ -677,7 +677,7 @@
           </a:lstStyle>
           <a:p>
             <a:r>
-              <a:rPr lang="en-US" smtClean="0"/>
+              <a:rPr lang="en-US"/>
               <a:t>Click to edit Master title style</a:t>
             </a:r>
             <a:endParaRPr lang="en-US" dirty="0"/>
@@ -743,7 +743,7 @@
           <a:p>
             <a:pPr lvl="0"/>
             <a:r>
-              <a:rPr lang="en-US" smtClean="0"/>
+              <a:rPr lang="en-US"/>
               <a:t>Edit Master text styles</a:t>
             </a:r>
           </a:p>
@@ -776,7 +776,7 @@
             <a:fld id="{48A87A34-81AB-432B-8DAE-1953F412C126}" type="datetimeFigureOut">
               <a:rPr lang="en-US" dirty="0"/>
               <a:pPr/>
-              <a:t>7/19/2018</a:t>
+              <a:t>8/3/2018</a:t>
             </a:fld>
             <a:endParaRPr lang="en-US" dirty="0"/>
           </a:p>
@@ -914,7 +914,7 @@
           </a:lstStyle>
           <a:p>
             <a:r>
-              <a:rPr lang="en-US" smtClean="0"/>
+              <a:rPr lang="en-US"/>
               <a:t>Click to edit Master title style</a:t>
             </a:r>
             <a:endParaRPr lang="en-US" dirty="0"/>
@@ -982,7 +982,7 @@
           <a:p>
             <a:pPr lvl="0"/>
             <a:r>
-              <a:rPr lang="en-US" smtClean="0"/>
+              <a:rPr lang="en-US"/>
               <a:t>Edit Master text styles</a:t>
             </a:r>
           </a:p>
@@ -1049,7 +1049,7 @@
           <a:p>
             <a:pPr lvl="0"/>
             <a:r>
-              <a:rPr lang="en-US" smtClean="0"/>
+              <a:rPr lang="en-US"/>
               <a:t>Edit Master text styles</a:t>
             </a:r>
           </a:p>
@@ -1082,7 +1082,7 @@
             <a:fld id="{48A87A34-81AB-432B-8DAE-1953F412C126}" type="datetimeFigureOut">
               <a:rPr lang="en-US" dirty="0"/>
               <a:pPr/>
-              <a:t>7/19/2018</a:t>
+              <a:t>8/3/2018</a:t>
             </a:fld>
             <a:endParaRPr lang="en-US" dirty="0"/>
           </a:p>
@@ -1452,7 +1452,7 @@
           </a:lstStyle>
           <a:p>
             <a:r>
-              <a:rPr lang="en-US" smtClean="0"/>
+              <a:rPr lang="en-US"/>
               <a:t>Click to edit Master title style</a:t>
             </a:r>
             <a:endParaRPr lang="en-US" dirty="0"/>
@@ -1518,7 +1518,7 @@
           <a:p>
             <a:pPr lvl="0"/>
             <a:r>
-              <a:rPr lang="en-US" smtClean="0"/>
+              <a:rPr lang="en-US"/>
               <a:t>Edit Master text styles</a:t>
             </a:r>
           </a:p>
@@ -1551,7 +1551,7 @@
             <a:fld id="{48A87A34-81AB-432B-8DAE-1953F412C126}" type="datetimeFigureOut">
               <a:rPr lang="en-US" dirty="0"/>
               <a:pPr/>
-              <a:t>7/19/2018</a:t>
+              <a:t>8/3/2018</a:t>
             </a:fld>
             <a:endParaRPr lang="en-US" dirty="0"/>
           </a:p>
@@ -1655,7 +1655,7 @@
           <a:lstStyle/>
           <a:p>
             <a:r>
-              <a:rPr lang="en-US" smtClean="0"/>
+              <a:rPr lang="en-US"/>
               <a:t>Click to edit Master title style</a:t>
             </a:r>
             <a:endParaRPr lang="en-US" dirty="0"/>
@@ -1727,7 +1727,7 @@
           <a:p>
             <a:pPr lvl="0"/>
             <a:r>
-              <a:rPr lang="en-US" smtClean="0"/>
+              <a:rPr lang="en-US"/>
               <a:t>Edit Master text styles</a:t>
             </a:r>
           </a:p>
@@ -1794,7 +1794,7 @@
           <a:p>
             <a:pPr lvl="0"/>
             <a:r>
-              <a:rPr lang="en-US" smtClean="0"/>
+              <a:rPr lang="en-US"/>
               <a:t>Edit Master text styles</a:t>
             </a:r>
           </a:p>
@@ -1865,7 +1865,7 @@
           <a:p>
             <a:pPr lvl="0"/>
             <a:r>
-              <a:rPr lang="en-US" smtClean="0"/>
+              <a:rPr lang="en-US"/>
               <a:t>Edit Master text styles</a:t>
             </a:r>
           </a:p>
@@ -1932,7 +1932,7 @@
           <a:p>
             <a:pPr lvl="0"/>
             <a:r>
-              <a:rPr lang="en-US" smtClean="0"/>
+              <a:rPr lang="en-US"/>
               <a:t>Edit Master text styles</a:t>
             </a:r>
           </a:p>
@@ -2003,7 +2003,7 @@
           <a:p>
             <a:pPr lvl="0"/>
             <a:r>
-              <a:rPr lang="en-US" smtClean="0"/>
+              <a:rPr lang="en-US"/>
               <a:t>Edit Master text styles</a:t>
             </a:r>
           </a:p>
@@ -2070,7 +2070,7 @@
           <a:p>
             <a:pPr lvl="0"/>
             <a:r>
-              <a:rPr lang="en-US" smtClean="0"/>
+              <a:rPr lang="en-US"/>
               <a:t>Edit Master text styles</a:t>
             </a:r>
           </a:p>
@@ -2093,7 +2093,7 @@
           <a:p>
             <a:fld id="{48A87A34-81AB-432B-8DAE-1953F412C126}" type="datetimeFigureOut">
               <a:rPr lang="en-US" dirty="0"/>
-              <a:t>7/19/2018</a:t>
+              <a:t>8/3/2018</a:t>
             </a:fld>
             <a:endParaRPr lang="en-US" dirty="0"/>
           </a:p>
@@ -2187,7 +2187,7 @@
           <a:lstStyle/>
           <a:p>
             <a:r>
-              <a:rPr lang="en-US" smtClean="0"/>
+              <a:rPr lang="en-US"/>
               <a:t>Click to edit Master title style</a:t>
             </a:r>
             <a:endParaRPr lang="en-US" dirty="0"/>
@@ -2259,7 +2259,7 @@
           <a:p>
             <a:pPr lvl="0"/>
             <a:r>
-              <a:rPr lang="en-US" smtClean="0"/>
+              <a:rPr lang="en-US"/>
               <a:t>Edit Master text styles</a:t>
             </a:r>
           </a:p>
@@ -2337,7 +2337,7 @@
           </a:lstStyle>
           <a:p>
             <a:r>
-              <a:rPr lang="en-US" smtClean="0"/>
+              <a:rPr lang="en-US"/>
               <a:t>Click icon to add picture</a:t>
             </a:r>
             <a:endParaRPr lang="en-US" dirty="0"/>
@@ -2405,7 +2405,7 @@
           <a:p>
             <a:pPr lvl="0"/>
             <a:r>
-              <a:rPr lang="en-US" smtClean="0"/>
+              <a:rPr lang="en-US"/>
               <a:t>Edit Master text styles</a:t>
             </a:r>
           </a:p>
@@ -2476,7 +2476,7 @@
           <a:p>
             <a:pPr lvl="0"/>
             <a:r>
-              <a:rPr lang="en-US" smtClean="0"/>
+              <a:rPr lang="en-US"/>
               <a:t>Edit Master text styles</a:t>
             </a:r>
           </a:p>
@@ -2554,7 +2554,7 @@
           </a:lstStyle>
           <a:p>
             <a:r>
-              <a:rPr lang="en-US" smtClean="0"/>
+              <a:rPr lang="en-US"/>
               <a:t>Click icon to add picture</a:t>
             </a:r>
             <a:endParaRPr lang="en-US" dirty="0"/>
@@ -2622,7 +2622,7 @@
           <a:p>
             <a:pPr lvl="0"/>
             <a:r>
-              <a:rPr lang="en-US" smtClean="0"/>
+              <a:rPr lang="en-US"/>
               <a:t>Edit Master text styles</a:t>
             </a:r>
           </a:p>
@@ -2693,7 +2693,7 @@
           <a:p>
             <a:pPr lvl="0"/>
             <a:r>
-              <a:rPr lang="en-US" smtClean="0"/>
+              <a:rPr lang="en-US"/>
               <a:t>Edit Master text styles</a:t>
             </a:r>
           </a:p>
@@ -2771,7 +2771,7 @@
           </a:lstStyle>
           <a:p>
             <a:r>
-              <a:rPr lang="en-US" smtClean="0"/>
+              <a:rPr lang="en-US"/>
               <a:t>Click icon to add picture</a:t>
             </a:r>
             <a:endParaRPr lang="en-US" dirty="0"/>
@@ -2839,7 +2839,7 @@
           <a:p>
             <a:pPr lvl="0"/>
             <a:r>
-              <a:rPr lang="en-US" smtClean="0"/>
+              <a:rPr lang="en-US"/>
               <a:t>Edit Master text styles</a:t>
             </a:r>
           </a:p>
@@ -2862,7 +2862,7 @@
           <a:p>
             <a:fld id="{48A87A34-81AB-432B-8DAE-1953F412C126}" type="datetimeFigureOut">
               <a:rPr lang="en-US" dirty="0"/>
-              <a:t>7/19/2018</a:t>
+              <a:t>8/3/2018</a:t>
             </a:fld>
             <a:endParaRPr lang="en-US" dirty="0"/>
           </a:p>
@@ -2951,7 +2951,7 @@
           <a:lstStyle/>
           <a:p>
             <a:r>
-              <a:rPr lang="en-US" smtClean="0"/>
+              <a:rPr lang="en-US"/>
               <a:t>Click to edit Master title style</a:t>
             </a:r>
             <a:endParaRPr lang="en-US" dirty="0"/>
@@ -2980,35 +2980,35 @@
           <a:p>
             <a:pPr lvl="0"/>
             <a:r>
-              <a:rPr lang="en-US" smtClean="0"/>
+              <a:rPr lang="en-US"/>
               <a:t>Edit Master text styles</a:t>
             </a:r>
           </a:p>
           <a:p>
             <a:pPr lvl="1"/>
             <a:r>
-              <a:rPr lang="en-US" smtClean="0"/>
+              <a:rPr lang="en-US"/>
               <a:t>Second level</a:t>
             </a:r>
           </a:p>
           <a:p>
             <a:pPr lvl="2"/>
             <a:r>
-              <a:rPr lang="en-US" smtClean="0"/>
+              <a:rPr lang="en-US"/>
               <a:t>Third level</a:t>
             </a:r>
           </a:p>
           <a:p>
             <a:pPr lvl="3"/>
             <a:r>
-              <a:rPr lang="en-US" smtClean="0"/>
+              <a:rPr lang="en-US"/>
               <a:t>Fourth level</a:t>
             </a:r>
           </a:p>
           <a:p>
             <a:pPr lvl="4"/>
             <a:r>
-              <a:rPr lang="en-US" smtClean="0"/>
+              <a:rPr lang="en-US"/>
               <a:t>Fifth level</a:t>
             </a:r>
             <a:endParaRPr lang="en-US" dirty="0"/>
@@ -3032,7 +3032,7 @@
           <a:p>
             <a:fld id="{48A87A34-81AB-432B-8DAE-1953F412C126}" type="datetimeFigureOut">
               <a:rPr lang="en-US" dirty="0"/>
-              <a:t>7/19/2018</a:t>
+              <a:t>8/3/2018</a:t>
             </a:fld>
             <a:endParaRPr lang="en-US" dirty="0"/>
           </a:p>
@@ -3160,7 +3160,7 @@
           </a:lstStyle>
           <a:p>
             <a:r>
-              <a:rPr lang="en-US" smtClean="0"/>
+              <a:rPr lang="en-US"/>
               <a:t>Click to edit Master title style</a:t>
             </a:r>
             <a:endParaRPr lang="en-US" dirty="0"/>
@@ -3189,35 +3189,35 @@
           <a:p>
             <a:pPr lvl="0"/>
             <a:r>
-              <a:rPr lang="en-US" smtClean="0"/>
+              <a:rPr lang="en-US"/>
               <a:t>Edit Master text styles</a:t>
             </a:r>
           </a:p>
           <a:p>
             <a:pPr lvl="1"/>
             <a:r>
-              <a:rPr lang="en-US" smtClean="0"/>
+              <a:rPr lang="en-US"/>
               <a:t>Second level</a:t>
             </a:r>
           </a:p>
           <a:p>
             <a:pPr lvl="2"/>
             <a:r>
-              <a:rPr lang="en-US" smtClean="0"/>
+              <a:rPr lang="en-US"/>
               <a:t>Third level</a:t>
             </a:r>
           </a:p>
           <a:p>
             <a:pPr lvl="3"/>
             <a:r>
-              <a:rPr lang="en-US" smtClean="0"/>
+              <a:rPr lang="en-US"/>
               <a:t>Fourth level</a:t>
             </a:r>
           </a:p>
           <a:p>
             <a:pPr lvl="4"/>
             <a:r>
-              <a:rPr lang="en-US" smtClean="0"/>
+              <a:rPr lang="en-US"/>
               <a:t>Fifth level</a:t>
             </a:r>
             <a:endParaRPr lang="en-US" dirty="0"/>
@@ -3251,7 +3251,7 @@
             <a:fld id="{48A87A34-81AB-432B-8DAE-1953F412C126}" type="datetimeFigureOut">
               <a:rPr lang="en-US" dirty="0"/>
               <a:pPr/>
-              <a:t>7/19/2018</a:t>
+              <a:t>8/3/2018</a:t>
             </a:fld>
             <a:endParaRPr lang="en-US" dirty="0"/>
           </a:p>
@@ -3350,7 +3350,7 @@
           <a:lstStyle/>
           <a:p>
             <a:r>
-              <a:rPr lang="en-US" smtClean="0"/>
+              <a:rPr lang="en-US"/>
               <a:t>Click to edit Master title style</a:t>
             </a:r>
             <a:endParaRPr lang="en-US" dirty="0"/>
@@ -3374,35 +3374,35 @@
           <a:p>
             <a:pPr lvl="0"/>
             <a:r>
-              <a:rPr lang="en-US" smtClean="0"/>
+              <a:rPr lang="en-US"/>
               <a:t>Edit Master text styles</a:t>
             </a:r>
           </a:p>
           <a:p>
             <a:pPr lvl="1"/>
             <a:r>
-              <a:rPr lang="en-US" smtClean="0"/>
+              <a:rPr lang="en-US"/>
               <a:t>Second level</a:t>
             </a:r>
           </a:p>
           <a:p>
             <a:pPr lvl="2"/>
             <a:r>
-              <a:rPr lang="en-US" smtClean="0"/>
+              <a:rPr lang="en-US"/>
               <a:t>Third level</a:t>
             </a:r>
           </a:p>
           <a:p>
             <a:pPr lvl="3"/>
             <a:r>
-              <a:rPr lang="en-US" smtClean="0"/>
+              <a:rPr lang="en-US"/>
               <a:t>Fourth level</a:t>
             </a:r>
           </a:p>
           <a:p>
             <a:pPr lvl="4"/>
             <a:r>
-              <a:rPr lang="en-US" smtClean="0"/>
+              <a:rPr lang="en-US"/>
               <a:t>Fifth level</a:t>
             </a:r>
             <a:endParaRPr lang="en-US" dirty="0"/>
@@ -3426,7 +3426,7 @@
           <a:p>
             <a:fld id="{48A87A34-81AB-432B-8DAE-1953F412C126}" type="datetimeFigureOut">
               <a:rPr lang="en-US" dirty="0"/>
-              <a:t>7/19/2018</a:t>
+              <a:t>8/3/2018</a:t>
             </a:fld>
             <a:endParaRPr lang="en-US" dirty="0"/>
           </a:p>
@@ -3556,7 +3556,7 @@
           </a:lstStyle>
           <a:p>
             <a:r>
-              <a:rPr lang="en-US" smtClean="0"/>
+              <a:rPr lang="en-US"/>
               <a:t>Click to edit Master title style</a:t>
             </a:r>
             <a:endParaRPr lang="en-US" dirty="0"/>
@@ -3678,7 +3678,7 @@
           <a:p>
             <a:pPr lvl="0"/>
             <a:r>
-              <a:rPr lang="en-US" smtClean="0"/>
+              <a:rPr lang="en-US"/>
               <a:t>Edit Master text styles</a:t>
             </a:r>
           </a:p>
@@ -3711,7 +3711,7 @@
             <a:fld id="{48A87A34-81AB-432B-8DAE-1953F412C126}" type="datetimeFigureOut">
               <a:rPr lang="en-US" dirty="0"/>
               <a:pPr/>
-              <a:t>7/19/2018</a:t>
+              <a:t>8/3/2018</a:t>
             </a:fld>
             <a:endParaRPr lang="en-US" dirty="0"/>
           </a:p>
@@ -3810,7 +3810,7 @@
           <a:lstStyle/>
           <a:p>
             <a:r>
-              <a:rPr lang="en-US" smtClean="0"/>
+              <a:rPr lang="en-US"/>
               <a:t>Click to edit Master title style</a:t>
             </a:r>
             <a:endParaRPr lang="en-US" dirty="0"/>
@@ -3839,35 +3839,35 @@
           <a:p>
             <a:pPr lvl="0"/>
             <a:r>
-              <a:rPr lang="en-US" smtClean="0"/>
+              <a:rPr lang="en-US"/>
               <a:t>Edit Master text styles</a:t>
             </a:r>
           </a:p>
           <a:p>
             <a:pPr lvl="1"/>
             <a:r>
-              <a:rPr lang="en-US" smtClean="0"/>
+              <a:rPr lang="en-US"/>
               <a:t>Second level</a:t>
             </a:r>
           </a:p>
           <a:p>
             <a:pPr lvl="2"/>
             <a:r>
-              <a:rPr lang="en-US" smtClean="0"/>
+              <a:rPr lang="en-US"/>
               <a:t>Third level</a:t>
             </a:r>
           </a:p>
           <a:p>
             <a:pPr lvl="3"/>
             <a:r>
-              <a:rPr lang="en-US" smtClean="0"/>
+              <a:rPr lang="en-US"/>
               <a:t>Fourth level</a:t>
             </a:r>
           </a:p>
           <a:p>
             <a:pPr lvl="4"/>
             <a:r>
-              <a:rPr lang="en-US" smtClean="0"/>
+              <a:rPr lang="en-US"/>
               <a:t>Fifth level</a:t>
             </a:r>
             <a:endParaRPr lang="en-US" dirty="0"/>
@@ -3896,35 +3896,35 @@
           <a:p>
             <a:pPr lvl="0"/>
             <a:r>
-              <a:rPr lang="en-US" smtClean="0"/>
+              <a:rPr lang="en-US"/>
               <a:t>Edit Master text styles</a:t>
             </a:r>
           </a:p>
           <a:p>
             <a:pPr lvl="1"/>
             <a:r>
-              <a:rPr lang="en-US" smtClean="0"/>
+              <a:rPr lang="en-US"/>
               <a:t>Second level</a:t>
             </a:r>
           </a:p>
           <a:p>
             <a:pPr lvl="2"/>
             <a:r>
-              <a:rPr lang="en-US" smtClean="0"/>
+              <a:rPr lang="en-US"/>
               <a:t>Third level</a:t>
             </a:r>
           </a:p>
           <a:p>
             <a:pPr lvl="3"/>
             <a:r>
-              <a:rPr lang="en-US" smtClean="0"/>
+              <a:rPr lang="en-US"/>
               <a:t>Fourth level</a:t>
             </a:r>
           </a:p>
           <a:p>
             <a:pPr lvl="4"/>
             <a:r>
-              <a:rPr lang="en-US" smtClean="0"/>
+              <a:rPr lang="en-US"/>
               <a:t>Fifth level</a:t>
             </a:r>
             <a:endParaRPr lang="en-US" dirty="0"/>
@@ -3948,7 +3948,7 @@
           <a:p>
             <a:fld id="{48A87A34-81AB-432B-8DAE-1953F412C126}" type="datetimeFigureOut">
               <a:rPr lang="en-US" dirty="0"/>
-              <a:t>7/19/2018</a:t>
+              <a:t>8/3/2018</a:t>
             </a:fld>
             <a:endParaRPr lang="en-US" dirty="0"/>
           </a:p>
@@ -4042,7 +4042,7 @@
           <a:lstStyle/>
           <a:p>
             <a:r>
-              <a:rPr lang="en-US" smtClean="0"/>
+              <a:rPr lang="en-US"/>
               <a:t>Click to edit Master title style</a:t>
             </a:r>
             <a:endParaRPr lang="en-US" dirty="0"/>
@@ -4114,7 +4114,7 @@
           <a:p>
             <a:pPr lvl="0"/>
             <a:r>
-              <a:rPr lang="en-US" smtClean="0"/>
+              <a:rPr lang="en-US"/>
               <a:t>Edit Master text styles</a:t>
             </a:r>
           </a:p>
@@ -4142,35 +4142,35 @@
           <a:p>
             <a:pPr lvl="0"/>
             <a:r>
-              <a:rPr lang="en-US" smtClean="0"/>
+              <a:rPr lang="en-US"/>
               <a:t>Edit Master text styles</a:t>
             </a:r>
           </a:p>
           <a:p>
             <a:pPr lvl="1"/>
             <a:r>
-              <a:rPr lang="en-US" smtClean="0"/>
+              <a:rPr lang="en-US"/>
               <a:t>Second level</a:t>
             </a:r>
           </a:p>
           <a:p>
             <a:pPr lvl="2"/>
             <a:r>
-              <a:rPr lang="en-US" smtClean="0"/>
+              <a:rPr lang="en-US"/>
               <a:t>Third level</a:t>
             </a:r>
           </a:p>
           <a:p>
             <a:pPr lvl="3"/>
             <a:r>
-              <a:rPr lang="en-US" smtClean="0"/>
+              <a:rPr lang="en-US"/>
               <a:t>Fourth level</a:t>
             </a:r>
           </a:p>
           <a:p>
             <a:pPr lvl="4"/>
             <a:r>
-              <a:rPr lang="en-US" smtClean="0"/>
+              <a:rPr lang="en-US"/>
               <a:t>Fifth level</a:t>
             </a:r>
             <a:endParaRPr lang="en-US" dirty="0"/>
@@ -4242,7 +4242,7 @@
           <a:p>
             <a:pPr lvl="0"/>
             <a:r>
-              <a:rPr lang="en-US" smtClean="0"/>
+              <a:rPr lang="en-US"/>
               <a:t>Edit Master text styles</a:t>
             </a:r>
           </a:p>
@@ -4270,35 +4270,35 @@
           <a:p>
             <a:pPr lvl="0"/>
             <a:r>
-              <a:rPr lang="en-US" smtClean="0"/>
+              <a:rPr lang="en-US"/>
               <a:t>Edit Master text styles</a:t>
             </a:r>
           </a:p>
           <a:p>
             <a:pPr lvl="1"/>
             <a:r>
-              <a:rPr lang="en-US" smtClean="0"/>
+              <a:rPr lang="en-US"/>
               <a:t>Second level</a:t>
             </a:r>
           </a:p>
           <a:p>
             <a:pPr lvl="2"/>
             <a:r>
-              <a:rPr lang="en-US" smtClean="0"/>
+              <a:rPr lang="en-US"/>
               <a:t>Third level</a:t>
             </a:r>
           </a:p>
           <a:p>
             <a:pPr lvl="3"/>
             <a:r>
-              <a:rPr lang="en-US" smtClean="0"/>
+              <a:rPr lang="en-US"/>
               <a:t>Fourth level</a:t>
             </a:r>
           </a:p>
           <a:p>
             <a:pPr lvl="4"/>
             <a:r>
-              <a:rPr lang="en-US" smtClean="0"/>
+              <a:rPr lang="en-US"/>
               <a:t>Fifth level</a:t>
             </a:r>
             <a:endParaRPr lang="en-US" dirty="0"/>
@@ -4322,7 +4322,7 @@
           <a:p>
             <a:fld id="{48A87A34-81AB-432B-8DAE-1953F412C126}" type="datetimeFigureOut">
               <a:rPr lang="en-US" dirty="0"/>
-              <a:t>7/19/2018</a:t>
+              <a:t>8/3/2018</a:t>
             </a:fld>
             <a:endParaRPr lang="en-US" dirty="0"/>
           </a:p>
@@ -4411,7 +4411,7 @@
           <a:lstStyle/>
           <a:p>
             <a:r>
-              <a:rPr lang="en-US" smtClean="0"/>
+              <a:rPr lang="en-US"/>
               <a:t>Click to edit Master title style</a:t>
             </a:r>
             <a:endParaRPr lang="en-US" dirty="0"/>
@@ -4435,7 +4435,7 @@
           <a:p>
             <a:fld id="{48A87A34-81AB-432B-8DAE-1953F412C126}" type="datetimeFigureOut">
               <a:rPr lang="en-US" dirty="0"/>
-              <a:t>7/19/2018</a:t>
+              <a:t>8/3/2018</a:t>
             </a:fld>
             <a:endParaRPr lang="en-US" dirty="0"/>
           </a:p>
@@ -4525,7 +4525,7 @@
           <a:p>
             <a:fld id="{48A87A34-81AB-432B-8DAE-1953F412C126}" type="datetimeFigureOut">
               <a:rPr lang="en-US" dirty="0"/>
-              <a:t>7/19/2018</a:t>
+              <a:t>8/3/2018</a:t>
             </a:fld>
             <a:endParaRPr lang="en-US" dirty="0"/>
           </a:p>
@@ -4623,7 +4623,7 @@
           </a:lstStyle>
           <a:p>
             <a:r>
-              <a:rPr lang="en-US" smtClean="0"/>
+              <a:rPr lang="en-US"/>
               <a:t>Click to edit Master title style</a:t>
             </a:r>
             <a:endParaRPr lang="en-US" dirty="0"/>
@@ -4652,35 +4652,35 @@
           <a:p>
             <a:pPr lvl="0"/>
             <a:r>
-              <a:rPr lang="en-US" smtClean="0"/>
+              <a:rPr lang="en-US"/>
               <a:t>Edit Master text styles</a:t>
             </a:r>
           </a:p>
           <a:p>
             <a:pPr lvl="1"/>
             <a:r>
-              <a:rPr lang="en-US" smtClean="0"/>
+              <a:rPr lang="en-US"/>
               <a:t>Second level</a:t>
             </a:r>
           </a:p>
           <a:p>
             <a:pPr lvl="2"/>
             <a:r>
-              <a:rPr lang="en-US" smtClean="0"/>
+              <a:rPr lang="en-US"/>
               <a:t>Third level</a:t>
             </a:r>
           </a:p>
           <a:p>
             <a:pPr lvl="3"/>
             <a:r>
-              <a:rPr lang="en-US" smtClean="0"/>
+              <a:rPr lang="en-US"/>
               <a:t>Fourth level</a:t>
             </a:r>
           </a:p>
           <a:p>
             <a:pPr lvl="4"/>
             <a:r>
-              <a:rPr lang="en-US" smtClean="0"/>
+              <a:rPr lang="en-US"/>
               <a:t>Fifth level</a:t>
             </a:r>
             <a:endParaRPr lang="en-US" dirty="0"/>
@@ -4746,7 +4746,7 @@
           <a:p>
             <a:pPr lvl="0"/>
             <a:r>
-              <a:rPr lang="en-US" smtClean="0"/>
+              <a:rPr lang="en-US"/>
               <a:t>Edit Master text styles</a:t>
             </a:r>
           </a:p>
@@ -4769,7 +4769,7 @@
           <a:p>
             <a:fld id="{48A87A34-81AB-432B-8DAE-1953F412C126}" type="datetimeFigureOut">
               <a:rPr lang="en-US" dirty="0"/>
-              <a:t>7/19/2018</a:t>
+              <a:t>8/3/2018</a:t>
             </a:fld>
             <a:endParaRPr lang="en-US" dirty="0"/>
           </a:p>
@@ -4867,7 +4867,7 @@
           </a:lstStyle>
           <a:p>
             <a:r>
-              <a:rPr lang="en-US" smtClean="0"/>
+              <a:rPr lang="en-US"/>
               <a:t>Click to edit Master title style</a:t>
             </a:r>
             <a:endParaRPr lang="en-US" dirty="0"/>
@@ -4932,7 +4932,7 @@
           </a:lstStyle>
           <a:p>
             <a:r>
-              <a:rPr lang="en-US" smtClean="0"/>
+              <a:rPr lang="en-US"/>
               <a:t>Click icon to add picture</a:t>
             </a:r>
             <a:endParaRPr lang="en-US" dirty="0"/>
@@ -4998,7 +4998,7 @@
           <a:p>
             <a:pPr lvl="0"/>
             <a:r>
-              <a:rPr lang="en-US" smtClean="0"/>
+              <a:rPr lang="en-US"/>
               <a:t>Edit Master text styles</a:t>
             </a:r>
           </a:p>
@@ -5021,7 +5021,7 @@
           <a:p>
             <a:fld id="{48A87A34-81AB-432B-8DAE-1953F412C126}" type="datetimeFigureOut">
               <a:rPr lang="en-US" dirty="0"/>
-              <a:t>7/19/2018</a:t>
+              <a:t>8/3/2018</a:t>
             </a:fld>
             <a:endParaRPr lang="en-US" dirty="0"/>
           </a:p>
@@ -5155,7 +5155,7 @@
           <a:lstStyle/>
           <a:p>
             <a:r>
-              <a:rPr lang="en-US" smtClean="0"/>
+              <a:rPr lang="en-US"/>
               <a:t>Click to edit Master title style</a:t>
             </a:r>
             <a:endParaRPr lang="en-US" dirty="0"/>
@@ -5189,35 +5189,35 @@
           <a:p>
             <a:pPr lvl="0"/>
             <a:r>
-              <a:rPr lang="en-US" smtClean="0"/>
+              <a:rPr lang="en-US"/>
               <a:t>Edit Master text styles</a:t>
             </a:r>
           </a:p>
           <a:p>
             <a:pPr lvl="1"/>
             <a:r>
-              <a:rPr lang="en-US" smtClean="0"/>
+              <a:rPr lang="en-US"/>
               <a:t>Second level</a:t>
             </a:r>
           </a:p>
           <a:p>
             <a:pPr lvl="2"/>
             <a:r>
-              <a:rPr lang="en-US" smtClean="0"/>
+              <a:rPr lang="en-US"/>
               <a:t>Third level</a:t>
             </a:r>
           </a:p>
           <a:p>
             <a:pPr lvl="3"/>
             <a:r>
-              <a:rPr lang="en-US" smtClean="0"/>
+              <a:rPr lang="en-US"/>
               <a:t>Fourth level</a:t>
             </a:r>
           </a:p>
           <a:p>
             <a:pPr lvl="4"/>
             <a:r>
-              <a:rPr lang="en-US" smtClean="0"/>
+              <a:rPr lang="en-US"/>
               <a:t>Fifth level</a:t>
             </a:r>
             <a:endParaRPr lang="en-US" dirty="0"/>
@@ -5260,7 +5260,7 @@
             <a:fld id="{48A87A34-81AB-432B-8DAE-1953F412C126}" type="datetimeFigureOut">
               <a:rPr lang="en-US" dirty="0"/>
               <a:pPr/>
-              <a:t>7/19/2018</a:t>
+              <a:t>8/3/2018</a:t>
             </a:fld>
             <a:endParaRPr lang="en-US" dirty="0"/>
           </a:p>
@@ -5684,10 +5684,9 @@
           <a:p>
             <a:pPr algn="ctr"/>
             <a:r>
-              <a:rPr lang="en-GB" dirty="0" smtClean="0"/>
+              <a:rPr lang="en-GB" dirty="0"/>
               <a:t>Design patterns</a:t>
             </a:r>
-            <a:endParaRPr lang="en-GB" dirty="0"/>
           </a:p>
         </p:txBody>
       </p:sp>
@@ -5708,12 +5707,8 @@
           <a:p>
             <a:pPr algn="ctr"/>
             <a:r>
-              <a:rPr lang="en-GB" dirty="0" smtClean="0"/>
-              <a:t>The </a:t>
-            </a:r>
-            <a:r>
-              <a:rPr lang="en-GB" dirty="0" smtClean="0"/>
-              <a:t>Adapter Pattern</a:t>
+              <a:rPr lang="en-GB" dirty="0"/>
+              <a:t>The Adapter Pattern</a:t>
             </a:r>
             <a:endParaRPr lang="en-GB" b="1" dirty="0"/>
           </a:p>
@@ -5771,10 +5766,9 @@
           <a:p>
             <a:pPr algn="ctr"/>
             <a:r>
-              <a:rPr lang="en-GB" dirty="0" smtClean="0"/>
+              <a:rPr lang="en-GB" dirty="0"/>
               <a:t>usage</a:t>
             </a:r>
-            <a:endParaRPr lang="en-GB" dirty="0"/>
           </a:p>
         </p:txBody>
       </p:sp>
@@ -5796,29 +5790,28 @@
         </p:spPr>
         <p:txBody>
           <a:bodyPr>
-            <a:normAutofit lnSpcReduction="10000"/>
+            <a:normAutofit fontScale="92500" lnSpcReduction="20000"/>
           </a:bodyPr>
           <a:lstStyle/>
           <a:p>
             <a:pPr algn="ctr"/>
             <a:r>
-              <a:rPr lang="en-GB" sz="4400" dirty="0" smtClean="0"/>
+              <a:rPr lang="en-GB" sz="4400" dirty="0"/>
               <a:t>Provide an adapter (Like a power adapter) that allows a new object to work with an existing class.</a:t>
             </a:r>
           </a:p>
           <a:p>
             <a:pPr algn="ctr"/>
             <a:r>
-              <a:rPr lang="en-GB" sz="4400" dirty="0" smtClean="0"/>
+              <a:rPr lang="en-GB" sz="4400" dirty="0"/>
               <a:t>This the adapter is sometimes referred to as a wrapper class.</a:t>
             </a:r>
-            <a:endParaRPr lang="en-GB" sz="4400" dirty="0"/>
           </a:p>
           <a:p>
             <a:pPr marL="0" indent="0">
               <a:buNone/>
             </a:pPr>
-            <a:endParaRPr lang="en-GB" dirty="0" smtClean="0"/>
+            <a:endParaRPr lang="en-GB" dirty="0"/>
           </a:p>
           <a:p>
             <a:endParaRPr lang="en-GB" dirty="0"/>
@@ -5835,13 +5828,6 @@
   <p:clrMapOvr>
     <a:masterClrMapping/>
   </p:clrMapOvr>
-  <p:timing>
-    <p:tnLst>
-      <p:par>
-        <p:cTn id="1" dur="indefinite" restart="never" nodeType="tmRoot"/>
-      </p:par>
-    </p:tnLst>
-  </p:timing>
 </p:sld>
 </file>
 
@@ -5884,10 +5870,9 @@
           <a:p>
             <a:pPr algn="ctr"/>
             <a:r>
-              <a:rPr lang="en-GB" dirty="0" smtClean="0"/>
+              <a:rPr lang="en-GB" dirty="0"/>
               <a:t>Example Scenario</a:t>
             </a:r>
-            <a:endParaRPr lang="en-GB" dirty="0"/>
           </a:p>
         </p:txBody>
       </p:sp>
@@ -5914,25 +5899,15 @@
           <a:lstStyle/>
           <a:p>
             <a:r>
-              <a:rPr lang="en-GB" dirty="0" smtClean="0"/>
-              <a:t>For this example I went with the scenario of </a:t>
-            </a:r>
-            <a:r>
-              <a:rPr lang="en-GB" dirty="0" smtClean="0"/>
-              <a:t> Ducks and Turkeys.</a:t>
-            </a:r>
-            <a:endParaRPr lang="en-GB" dirty="0" smtClean="0"/>
-          </a:p>
-          <a:p>
-            <a:r>
-              <a:rPr lang="en-GB" dirty="0" smtClean="0"/>
-              <a:t>The </a:t>
-            </a:r>
-            <a:r>
-              <a:rPr lang="en-GB" dirty="0" smtClean="0"/>
-              <a:t>initial implementation was designed to work with the Duck class, but is now required to also work with the new objects of type Turkey.</a:t>
-            </a:r>
-            <a:endParaRPr lang="en-GB" dirty="0" smtClean="0"/>
+              <a:rPr lang="en-GB" dirty="0"/>
+              <a:t>For this example I went with the scenario of  Ducks and Turkeys.</a:t>
+            </a:r>
+          </a:p>
+          <a:p>
+            <a:r>
+              <a:rPr lang="en-GB" dirty="0"/>
+              <a:t>The initial implementation was designed to work with the Duck class, but is now required to also work with the new objects of type Turkey.</a:t>
+            </a:r>
           </a:p>
         </p:txBody>
       </p:sp>
@@ -5946,13 +5921,6 @@
   <p:clrMapOvr>
     <a:masterClrMapping/>
   </p:clrMapOvr>
-  <p:timing>
-    <p:tnLst>
-      <p:par>
-        <p:cTn id="1" dur="indefinite" restart="never" nodeType="tmRoot"/>
-      </p:par>
-    </p:tnLst>
-  </p:timing>
 </p:sld>
 </file>
 
@@ -5985,7 +5953,7 @@
         </p:nvSpPr>
         <p:spPr>
           <a:xfrm>
-            <a:off x="2019299" y="839387"/>
+            <a:off x="1790700" y="2782486"/>
             <a:ext cx="8610600" cy="1293028"/>
           </a:xfrm>
         </p:spPr>
@@ -5995,89 +5963,22 @@
           <a:p>
             <a:pPr algn="ctr"/>
             <a:r>
-              <a:rPr lang="en-GB" dirty="0" smtClean="0"/>
-              <a:t>Advantages</a:t>
-            </a:r>
-            <a:endParaRPr lang="en-GB" dirty="0"/>
-          </a:p>
-        </p:txBody>
-      </p:sp>
-      <p:sp>
-        <p:nvSpPr>
-          <p:cNvPr id="2" name="TextBox 1"/>
-          <p:cNvSpPr txBox="1"/>
-          <p:nvPr/>
-        </p:nvSpPr>
-        <p:spPr>
-          <a:xfrm>
-            <a:off x="1733550" y="2803928"/>
-            <a:ext cx="9182099" cy="1415772"/>
-          </a:xfrm>
-          <a:prstGeom prst="rect">
-            <a:avLst/>
-          </a:prstGeom>
-          <a:noFill/>
-        </p:spPr>
-        <p:txBody>
-          <a:bodyPr wrap="square" rtlCol="0">
-            <a:spAutoFit/>
-          </a:bodyPr>
-          <a:lstStyle/>
-          <a:p>
-            <a:pPr marL="285750" indent="-285750">
-              <a:buFont typeface="Arial" panose="020B0604020202020204" pitchFamily="34" charset="0"/>
-              <a:buChar char="•"/>
-            </a:pPr>
-            <a:r>
-              <a:rPr lang="en-GB" sz="3200" dirty="0" smtClean="0"/>
-              <a:t>An adapter can add functionality to many </a:t>
-            </a:r>
-            <a:r>
-              <a:rPr lang="en-GB" sz="3200" dirty="0" err="1" smtClean="0"/>
-              <a:t>adaptees</a:t>
-            </a:r>
-            <a:endParaRPr lang="en-GB" sz="3200" dirty="0" smtClean="0"/>
-          </a:p>
-          <a:p>
-            <a:pPr marL="285750" indent="-285750">
-              <a:buFont typeface="Arial" panose="020B0604020202020204" pitchFamily="34" charset="0"/>
-              <a:buChar char="•"/>
-            </a:pPr>
-            <a:endParaRPr lang="en-GB" dirty="0"/>
-          </a:p>
-          <a:p>
-            <a:pPr marL="285750" indent="-285750">
-              <a:buFont typeface="Arial" panose="020B0604020202020204" pitchFamily="34" charset="0"/>
-              <a:buChar char="•"/>
-            </a:pPr>
-            <a:endParaRPr lang="en-GB" dirty="0" smtClean="0"/>
-          </a:p>
-          <a:p>
-            <a:pPr marL="285750" indent="-285750">
-              <a:buFont typeface="Arial" panose="020B0604020202020204" pitchFamily="34" charset="0"/>
-              <a:buChar char="•"/>
-            </a:pPr>
-            <a:endParaRPr lang="en-GB" dirty="0"/>
+              <a:rPr lang="en-GB" dirty="0"/>
+              <a:t>Code Example</a:t>
+            </a:r>
           </a:p>
         </p:txBody>
       </p:sp>
     </p:spTree>
     <p:extLst>
       <p:ext uri="{BB962C8B-B14F-4D97-AF65-F5344CB8AC3E}">
-        <p14:creationId xmlns:p14="http://schemas.microsoft.com/office/powerpoint/2010/main" val="1895781057"/>
+        <p14:creationId xmlns:p14="http://schemas.microsoft.com/office/powerpoint/2010/main" val="632160626"/>
       </p:ext>
     </p:extLst>
   </p:cSld>
   <p:clrMapOvr>
     <a:masterClrMapping/>
   </p:clrMapOvr>
-  <p:timing>
-    <p:tnLst>
-      <p:par>
-        <p:cTn id="1" dur="indefinite" restart="never" nodeType="tmRoot"/>
-      </p:par>
-    </p:tnLst>
-  </p:timing>
 </p:sld>
 </file>
 
@@ -6110,7 +6011,7 @@
         </p:nvSpPr>
         <p:spPr>
           <a:xfrm>
-            <a:off x="2008584" y="853673"/>
+            <a:off x="2019299" y="839387"/>
             <a:ext cx="8610600" cy="1293028"/>
           </a:xfrm>
         </p:spPr>
@@ -6120,10 +6021,9 @@
           <a:p>
             <a:pPr algn="ctr"/>
             <a:r>
-              <a:rPr lang="en-GB" dirty="0" smtClean="0"/>
-              <a:t>Disadvantages</a:t>
-            </a:r>
-            <a:endParaRPr lang="en-GB" dirty="0"/>
+              <a:rPr lang="en-GB" dirty="0"/>
+              <a:t>Advantages</a:t>
+            </a:r>
           </a:p>
         </p:txBody>
       </p:sp>
@@ -6135,8 +6035,8 @@
         </p:nvSpPr>
         <p:spPr>
           <a:xfrm>
-            <a:off x="1012031" y="2532465"/>
-            <a:ext cx="10603707" cy="1815882"/>
+            <a:off x="1733550" y="2803928"/>
+            <a:ext cx="9182099" cy="2369880"/>
           </a:xfrm>
           <a:prstGeom prst="rect">
             <a:avLst/>
@@ -6154,33 +6054,14 @@
               <a:buChar char="•"/>
             </a:pPr>
             <a:r>
-              <a:rPr lang="en-GB" sz="2800" dirty="0" smtClean="0"/>
-              <a:t>Changing </a:t>
-            </a:r>
-            <a:r>
-              <a:rPr lang="en-GB" sz="2800" dirty="0" err="1" smtClean="0"/>
-              <a:t>adaptee</a:t>
-            </a:r>
-            <a:r>
-              <a:rPr lang="en-GB" sz="2800" dirty="0" smtClean="0"/>
-              <a:t> behaviour would be difficult without </a:t>
-            </a:r>
-            <a:r>
-              <a:rPr lang="en-GB" sz="2800" dirty="0" err="1" smtClean="0"/>
-              <a:t>subclassing</a:t>
-            </a:r>
-            <a:r>
-              <a:rPr lang="en-GB" sz="2800" dirty="0" smtClean="0"/>
-              <a:t> your </a:t>
-            </a:r>
-            <a:r>
-              <a:rPr lang="en-GB" sz="2800" dirty="0" err="1" smtClean="0"/>
+              <a:rPr lang="en-GB" sz="2800" dirty="0"/>
+              <a:t>Similarly to the decorator pattern an adapter can add functionality to many </a:t>
+            </a:r>
+            <a:r>
+              <a:rPr lang="en-GB" sz="2800" dirty="0" err="1"/>
               <a:t>adaptees</a:t>
             </a:r>
-            <a:r>
-              <a:rPr lang="en-GB" sz="2800" dirty="0" smtClean="0"/>
-              <a:t>.</a:t>
-            </a:r>
+            <a:endParaRPr lang="en-GB" sz="2800" dirty="0"/>
           </a:p>
           <a:p>
             <a:pPr marL="285750" indent="-285750">
@@ -6188,30 +6069,36 @@
               <a:buChar char="•"/>
             </a:pPr>
             <a:r>
-              <a:rPr lang="en-GB" sz="2800" dirty="0" smtClean="0"/>
-              <a:t>Where do you draw the line, adapter chains can be messy! (Consider the decorator pattern instead)</a:t>
-            </a:r>
-            <a:endParaRPr lang="en-GB" sz="2800" dirty="0"/>
+              <a:rPr lang="en-GB" sz="2800" dirty="0"/>
+              <a:t>Follows solid as the client remains closed to modification but open to extension.</a:t>
+            </a:r>
+          </a:p>
+          <a:p>
+            <a:pPr marL="285750" indent="-285750">
+              <a:buFont typeface="Arial" panose="020B0604020202020204" pitchFamily="34" charset="0"/>
+              <a:buChar char="•"/>
+            </a:pPr>
+            <a:endParaRPr lang="en-GB" dirty="0"/>
+          </a:p>
+          <a:p>
+            <a:pPr marL="285750" indent="-285750">
+              <a:buFont typeface="Arial" panose="020B0604020202020204" pitchFamily="34" charset="0"/>
+              <a:buChar char="•"/>
+            </a:pPr>
+            <a:endParaRPr lang="en-GB" dirty="0"/>
           </a:p>
         </p:txBody>
       </p:sp>
     </p:spTree>
     <p:extLst>
       <p:ext uri="{BB962C8B-B14F-4D97-AF65-F5344CB8AC3E}">
-        <p14:creationId xmlns:p14="http://schemas.microsoft.com/office/powerpoint/2010/main" val="2849583718"/>
+        <p14:creationId xmlns:p14="http://schemas.microsoft.com/office/powerpoint/2010/main" val="1895781057"/>
       </p:ext>
     </p:extLst>
   </p:cSld>
   <p:clrMapOvr>
     <a:masterClrMapping/>
   </p:clrMapOvr>
-  <p:timing>
-    <p:tnLst>
-      <p:par>
-        <p:cTn id="1" dur="indefinite" restart="never" nodeType="tmRoot"/>
-      </p:par>
-    </p:tnLst>
-  </p:timing>
 </p:sld>
 </file>
 
@@ -6244,7 +6131,7 @@
         </p:nvSpPr>
         <p:spPr>
           <a:xfrm>
-            <a:off x="1790700" y="2782486"/>
+            <a:off x="2008584" y="853673"/>
             <a:ext cx="8610600" cy="1293028"/>
           </a:xfrm>
         </p:spPr>
@@ -6254,30 +6141,107 @@
           <a:p>
             <a:pPr algn="ctr"/>
             <a:r>
-              <a:rPr lang="en-GB" dirty="0" smtClean="0"/>
-              <a:t>Code Example</a:t>
-            </a:r>
-            <a:endParaRPr lang="en-GB" dirty="0"/>
+              <a:rPr lang="en-GB" dirty="0"/>
+              <a:t>Disadvantages</a:t>
+            </a:r>
+          </a:p>
+        </p:txBody>
+      </p:sp>
+      <p:sp>
+        <p:nvSpPr>
+          <p:cNvPr id="2" name="TextBox 1"/>
+          <p:cNvSpPr txBox="1"/>
+          <p:nvPr/>
+        </p:nvSpPr>
+        <p:spPr>
+          <a:xfrm>
+            <a:off x="1012031" y="2532465"/>
+            <a:ext cx="10603707" cy="3108543"/>
+          </a:xfrm>
+          <a:prstGeom prst="rect">
+            <a:avLst/>
+          </a:prstGeom>
+          <a:noFill/>
+        </p:spPr>
+        <p:txBody>
+          <a:bodyPr wrap="square" rtlCol="0">
+            <a:spAutoFit/>
+          </a:bodyPr>
+          <a:lstStyle/>
+          <a:p>
+            <a:pPr marL="285750" indent="-285750">
+              <a:buFont typeface="Arial" panose="020B0604020202020204" pitchFamily="34" charset="0"/>
+              <a:buChar char="•"/>
+            </a:pPr>
+            <a:r>
+              <a:rPr lang="en-GB" sz="2800" dirty="0"/>
+              <a:t>Changing </a:t>
+            </a:r>
+            <a:r>
+              <a:rPr lang="en-GB" sz="2800" dirty="0" err="1"/>
+              <a:t>adaptee</a:t>
+            </a:r>
+            <a:r>
+              <a:rPr lang="en-GB" sz="2800" dirty="0"/>
+              <a:t> behaviour would be difficult without </a:t>
+            </a:r>
+            <a:r>
+              <a:rPr lang="en-GB" sz="2800" dirty="0" err="1"/>
+              <a:t>subclassing</a:t>
+            </a:r>
+            <a:r>
+              <a:rPr lang="en-GB" sz="2800" dirty="0"/>
+              <a:t> your </a:t>
+            </a:r>
+            <a:r>
+              <a:rPr lang="en-GB" sz="2800" dirty="0" err="1"/>
+              <a:t>adaptees</a:t>
+            </a:r>
+            <a:r>
+              <a:rPr lang="en-GB" sz="2800" dirty="0"/>
+              <a:t>.</a:t>
+            </a:r>
+          </a:p>
+          <a:p>
+            <a:pPr marL="285750" indent="-285750">
+              <a:buFont typeface="Arial" panose="020B0604020202020204" pitchFamily="34" charset="0"/>
+              <a:buChar char="•"/>
+            </a:pPr>
+            <a:r>
+              <a:rPr lang="en-GB" sz="2800" dirty="0"/>
+              <a:t>Where do you draw the line, adapter chains can </a:t>
+            </a:r>
+            <a:r>
+              <a:rPr lang="en-GB" sz="2800"/>
+              <a:t>be messy! </a:t>
+            </a:r>
+            <a:r>
+              <a:rPr lang="en-GB" sz="2800" dirty="0"/>
+              <a:t>(Consider the decorator pattern instead)</a:t>
+            </a:r>
+          </a:p>
+          <a:p>
+            <a:pPr marL="285750" indent="-285750">
+              <a:buFont typeface="Arial" panose="020B0604020202020204" pitchFamily="34" charset="0"/>
+              <a:buChar char="•"/>
+            </a:pPr>
+            <a:r>
+              <a:rPr lang="en-GB" sz="2800" dirty="0"/>
+              <a:t>Where this is the case you might want to consider using the decorator pattern instead for extending class functionality.</a:t>
+            </a:r>
           </a:p>
         </p:txBody>
       </p:sp>
     </p:spTree>
     <p:extLst>
       <p:ext uri="{BB962C8B-B14F-4D97-AF65-F5344CB8AC3E}">
-        <p14:creationId xmlns:p14="http://schemas.microsoft.com/office/powerpoint/2010/main" val="632160626"/>
+        <p14:creationId xmlns:p14="http://schemas.microsoft.com/office/powerpoint/2010/main" val="2849583718"/>
       </p:ext>
     </p:extLst>
   </p:cSld>
   <p:clrMapOvr>
     <a:masterClrMapping/>
   </p:clrMapOvr>
-  <p:timing>
-    <p:tnLst>
-      <p:par>
-        <p:cTn id="1" dur="indefinite" restart="never" nodeType="tmRoot"/>
-      </p:par>
-    </p:tnLst>
-  </p:timing>
 </p:sld>
 </file>
 

--- a/Design Pattern Adapter.pptx
+++ b/Design Pattern Adapter.pptx
@@ -6209,15 +6209,7 @@
             </a:pPr>
             <a:r>
               <a:rPr lang="en-GB" sz="2800" dirty="0"/>
-              <a:t>Where do you draw the line, adapter chains can </a:t>
-            </a:r>
-            <a:r>
-              <a:rPr lang="en-GB" sz="2800"/>
-              <a:t>be messy! </a:t>
-            </a:r>
-            <a:r>
-              <a:rPr lang="en-GB" sz="2800" dirty="0"/>
-              <a:t>(Consider the decorator pattern instead)</a:t>
+              <a:t>Where do you draw the line, adapter chains can be messy! (Consider the decorator pattern instead)</a:t>
             </a:r>
           </a:p>
           <a:p>
